--- a/Journal/Veerendra ppt presentation neural networks.pptx
+++ b/Journal/Veerendra ppt presentation neural networks.pptx
@@ -142,7 +142,7 @@
   <pc:docChgLst>
     <pc:chgData name="Veerendra Reddy Ariga" userId="67fa39ae0a06e3ae" providerId="LiveId" clId="{79BAC18B-E085-4CAD-A495-E287B474E423}"/>
     <pc:docChg chg="undo custSel addSld modSld">
-      <pc:chgData name="Veerendra Reddy Ariga" userId="67fa39ae0a06e3ae" providerId="LiveId" clId="{79BAC18B-E085-4CAD-A495-E287B474E423}" dt="2024-07-24T14:21:15.982" v="568" actId="20577"/>
+      <pc:chgData name="Veerendra Reddy Ariga" userId="67fa39ae0a06e3ae" providerId="LiveId" clId="{79BAC18B-E085-4CAD-A495-E287B474E423}" dt="2024-07-24T14:30:23.672" v="582" actId="255"/>
       <pc:docMkLst>
         <pc:docMk/>
       </pc:docMkLst>
@@ -209,7 +209,7 @@
         </pc:graphicFrameChg>
       </pc:sldChg>
       <pc:sldChg chg="modSp new mod">
-        <pc:chgData name="Veerendra Reddy Ariga" userId="67fa39ae0a06e3ae" providerId="LiveId" clId="{79BAC18B-E085-4CAD-A495-E287B474E423}" dt="2024-07-24T13:57:57.546" v="91" actId="12"/>
+        <pc:chgData name="Veerendra Reddy Ariga" userId="67fa39ae0a06e3ae" providerId="LiveId" clId="{79BAC18B-E085-4CAD-A495-E287B474E423}" dt="2024-07-24T14:28:56.741" v="570" actId="255"/>
         <pc:sldMkLst>
           <pc:docMk/>
           <pc:sldMk cId="3563370228" sldId="265"/>
@@ -223,7 +223,7 @@
           </ac:spMkLst>
         </pc:spChg>
         <pc:spChg chg="mod">
-          <ac:chgData name="Veerendra Reddy Ariga" userId="67fa39ae0a06e3ae" providerId="LiveId" clId="{79BAC18B-E085-4CAD-A495-E287B474E423}" dt="2024-07-24T13:57:57.546" v="91" actId="12"/>
+          <ac:chgData name="Veerendra Reddy Ariga" userId="67fa39ae0a06e3ae" providerId="LiveId" clId="{79BAC18B-E085-4CAD-A495-E287B474E423}" dt="2024-07-24T14:28:56.741" v="570" actId="255"/>
           <ac:spMkLst>
             <pc:docMk/>
             <pc:sldMk cId="3563370228" sldId="265"/>
@@ -232,13 +232,13 @@
         </pc:spChg>
       </pc:sldChg>
       <pc:sldChg chg="modSp new mod">
-        <pc:chgData name="Veerendra Reddy Ariga" userId="67fa39ae0a06e3ae" providerId="LiveId" clId="{79BAC18B-E085-4CAD-A495-E287B474E423}" dt="2024-07-24T14:04:13.663" v="185" actId="6549"/>
+        <pc:chgData name="Veerendra Reddy Ariga" userId="67fa39ae0a06e3ae" providerId="LiveId" clId="{79BAC18B-E085-4CAD-A495-E287B474E423}" dt="2024-07-24T14:29:33.004" v="574" actId="1076"/>
         <pc:sldMkLst>
           <pc:docMk/>
           <pc:sldMk cId="480117193" sldId="266"/>
         </pc:sldMkLst>
         <pc:spChg chg="mod">
-          <ac:chgData name="Veerendra Reddy Ariga" userId="67fa39ae0a06e3ae" providerId="LiveId" clId="{79BAC18B-E085-4CAD-A495-E287B474E423}" dt="2024-07-24T14:03:11.392" v="173" actId="14100"/>
+          <ac:chgData name="Veerendra Reddy Ariga" userId="67fa39ae0a06e3ae" providerId="LiveId" clId="{79BAC18B-E085-4CAD-A495-E287B474E423}" dt="2024-07-24T14:29:33.004" v="574" actId="1076"/>
           <ac:spMkLst>
             <pc:docMk/>
             <pc:sldMk cId="480117193" sldId="266"/>
@@ -246,7 +246,7 @@
           </ac:spMkLst>
         </pc:spChg>
         <pc:spChg chg="mod">
-          <ac:chgData name="Veerendra Reddy Ariga" userId="67fa39ae0a06e3ae" providerId="LiveId" clId="{79BAC18B-E085-4CAD-A495-E287B474E423}" dt="2024-07-24T14:04:13.663" v="185" actId="6549"/>
+          <ac:chgData name="Veerendra Reddy Ariga" userId="67fa39ae0a06e3ae" providerId="LiveId" clId="{79BAC18B-E085-4CAD-A495-E287B474E423}" dt="2024-07-24T14:29:27.379" v="573" actId="1076"/>
           <ac:spMkLst>
             <pc:docMk/>
             <pc:sldMk cId="480117193" sldId="266"/>
@@ -278,7 +278,7 @@
         </pc:spChg>
       </pc:sldChg>
       <pc:sldChg chg="modSp new mod">
-        <pc:chgData name="Veerendra Reddy Ariga" userId="67fa39ae0a06e3ae" providerId="LiveId" clId="{79BAC18B-E085-4CAD-A495-E287B474E423}" dt="2024-07-24T14:14:14.749" v="377" actId="6549"/>
+        <pc:chgData name="Veerendra Reddy Ariga" userId="67fa39ae0a06e3ae" providerId="LiveId" clId="{79BAC18B-E085-4CAD-A495-E287B474E423}" dt="2024-07-24T14:29:50.311" v="576" actId="27636"/>
         <pc:sldMkLst>
           <pc:docMk/>
           <pc:sldMk cId="1246572692" sldId="268"/>
@@ -292,7 +292,7 @@
           </ac:spMkLst>
         </pc:spChg>
         <pc:spChg chg="mod">
-          <ac:chgData name="Veerendra Reddy Ariga" userId="67fa39ae0a06e3ae" providerId="LiveId" clId="{79BAC18B-E085-4CAD-A495-E287B474E423}" dt="2024-07-24T14:14:14.749" v="377" actId="6549"/>
+          <ac:chgData name="Veerendra Reddy Ariga" userId="67fa39ae0a06e3ae" providerId="LiveId" clId="{79BAC18B-E085-4CAD-A495-E287B474E423}" dt="2024-07-24T14:29:50.311" v="576" actId="27636"/>
           <ac:spMkLst>
             <pc:docMk/>
             <pc:sldMk cId="1246572692" sldId="268"/>
@@ -301,7 +301,7 @@
         </pc:spChg>
       </pc:sldChg>
       <pc:sldChg chg="modSp new mod">
-        <pc:chgData name="Veerendra Reddy Ariga" userId="67fa39ae0a06e3ae" providerId="LiveId" clId="{79BAC18B-E085-4CAD-A495-E287B474E423}" dt="2024-07-24T14:15:51.492" v="435" actId="6549"/>
+        <pc:chgData name="Veerendra Reddy Ariga" userId="67fa39ae0a06e3ae" providerId="LiveId" clId="{79BAC18B-E085-4CAD-A495-E287B474E423}" dt="2024-07-24T14:30:09.725" v="579" actId="255"/>
         <pc:sldMkLst>
           <pc:docMk/>
           <pc:sldMk cId="4103952905" sldId="269"/>
@@ -315,7 +315,7 @@
           </ac:spMkLst>
         </pc:spChg>
         <pc:spChg chg="mod">
-          <ac:chgData name="Veerendra Reddy Ariga" userId="67fa39ae0a06e3ae" providerId="LiveId" clId="{79BAC18B-E085-4CAD-A495-E287B474E423}" dt="2024-07-24T14:15:51.492" v="435" actId="6549"/>
+          <ac:chgData name="Veerendra Reddy Ariga" userId="67fa39ae0a06e3ae" providerId="LiveId" clId="{79BAC18B-E085-4CAD-A495-E287B474E423}" dt="2024-07-24T14:30:09.725" v="579" actId="255"/>
           <ac:spMkLst>
             <pc:docMk/>
             <pc:sldMk cId="4103952905" sldId="269"/>
@@ -324,7 +324,7 @@
         </pc:spChg>
       </pc:sldChg>
       <pc:sldChg chg="modSp new mod">
-        <pc:chgData name="Veerendra Reddy Ariga" userId="67fa39ae0a06e3ae" providerId="LiveId" clId="{79BAC18B-E085-4CAD-A495-E287B474E423}" dt="2024-07-24T14:21:15.982" v="568" actId="20577"/>
+        <pc:chgData name="Veerendra Reddy Ariga" userId="67fa39ae0a06e3ae" providerId="LiveId" clId="{79BAC18B-E085-4CAD-A495-E287B474E423}" dt="2024-07-24T14:30:23.672" v="582" actId="255"/>
         <pc:sldMkLst>
           <pc:docMk/>
           <pc:sldMk cId="2513242575" sldId="270"/>
@@ -338,7 +338,7 @@
           </ac:spMkLst>
         </pc:spChg>
         <pc:spChg chg="mod">
-          <ac:chgData name="Veerendra Reddy Ariga" userId="67fa39ae0a06e3ae" providerId="LiveId" clId="{79BAC18B-E085-4CAD-A495-E287B474E423}" dt="2024-07-24T14:21:15.982" v="568" actId="20577"/>
+          <ac:chgData name="Veerendra Reddy Ariga" userId="67fa39ae0a06e3ae" providerId="LiveId" clId="{79BAC18B-E085-4CAD-A495-E287B474E423}" dt="2024-07-24T14:30:23.672" v="582" actId="255"/>
           <ac:spMkLst>
             <pc:docMk/>
             <pc:sldMk cId="2513242575" sldId="270"/>
@@ -23126,18 +23126,18 @@
               </a:spcAft>
             </a:pPr>
             <a:r>
-              <a:rPr lang="en-US" sz="1800" b="1" kern="100" dirty="0">
+              <a:rPr lang="en-US" sz="2400" b="1" kern="100" dirty="0">
                 <a:effectLst/>
-                <a:latin typeface="Aptos" panose="020B0004020202020204" pitchFamily="34" charset="0"/>
+                <a:latin typeface="Times New Roman" panose="02020603050405020304" pitchFamily="18" charset="0"/>
                 <a:ea typeface="Aptos" panose="020B0004020202020204" pitchFamily="34" charset="0"/>
                 <a:cs typeface="Times New Roman" panose="02020603050405020304" pitchFamily="18" charset="0"/>
               </a:rPr>
               <a:t>Benchmark Performance :</a:t>
             </a:r>
             <a:r>
-              <a:rPr lang="en-US" sz="1800" kern="100" dirty="0">
+              <a:rPr lang="en-US" sz="2400" kern="100" dirty="0">
                 <a:effectLst/>
-                <a:latin typeface="Aptos" panose="020B0004020202020204" pitchFamily="34" charset="0"/>
+                <a:latin typeface="Times New Roman" panose="02020603050405020304" pitchFamily="18" charset="0"/>
                 <a:ea typeface="Aptos" panose="020B0004020202020204" pitchFamily="34" charset="0"/>
                 <a:cs typeface="Times New Roman" panose="02020603050405020304" pitchFamily="18" charset="0"/>
               </a:rPr>
@@ -23157,18 +23157,18 @@
               </a:spcAft>
             </a:pPr>
             <a:r>
-              <a:rPr lang="en-US" sz="1800" b="1" kern="100" dirty="0">
+              <a:rPr lang="en-US" sz="2400" b="1" kern="100" dirty="0">
                 <a:effectLst/>
-                <a:latin typeface="Aptos" panose="020B0004020202020204" pitchFamily="34" charset="0"/>
+                <a:latin typeface="Times New Roman" panose="02020603050405020304" pitchFamily="18" charset="0"/>
                 <a:ea typeface="Aptos" panose="020B0004020202020204" pitchFamily="34" charset="0"/>
                 <a:cs typeface="Times New Roman" panose="02020603050405020304" pitchFamily="18" charset="0"/>
               </a:rPr>
               <a:t>Scalability and Efficiency :</a:t>
             </a:r>
             <a:r>
-              <a:rPr lang="en-US" sz="1800" kern="100" dirty="0">
+              <a:rPr lang="en-US" sz="2400" kern="100" dirty="0">
                 <a:effectLst/>
-                <a:latin typeface="Aptos" panose="020B0004020202020204" pitchFamily="34" charset="0"/>
+                <a:latin typeface="Times New Roman" panose="02020603050405020304" pitchFamily="18" charset="0"/>
                 <a:ea typeface="Aptos" panose="020B0004020202020204" pitchFamily="34" charset="0"/>
                 <a:cs typeface="Times New Roman" panose="02020603050405020304" pitchFamily="18" charset="0"/>
               </a:rPr>
@@ -23188,18 +23188,18 @@
               </a:spcAft>
             </a:pPr>
             <a:r>
-              <a:rPr lang="en-US" sz="1800" b="1" kern="100" dirty="0">
+              <a:rPr lang="en-US" sz="2400" b="1" kern="100" dirty="0">
                 <a:effectLst/>
-                <a:latin typeface="Aptos" panose="020B0004020202020204" pitchFamily="34" charset="0"/>
+                <a:latin typeface="Times New Roman" panose="02020603050405020304" pitchFamily="18" charset="0"/>
                 <a:ea typeface="Aptos" panose="020B0004020202020204" pitchFamily="34" charset="0"/>
                 <a:cs typeface="Times New Roman" panose="02020603050405020304" pitchFamily="18" charset="0"/>
               </a:rPr>
               <a:t>Future Research Implications :</a:t>
             </a:r>
             <a:r>
-              <a:rPr lang="en-US" sz="1800" kern="100" dirty="0">
+              <a:rPr lang="en-US" sz="2400" kern="100" dirty="0">
                 <a:effectLst/>
-                <a:latin typeface="Aptos" panose="020B0004020202020204" pitchFamily="34" charset="0"/>
+                <a:latin typeface="Times New Roman" panose="02020603050405020304" pitchFamily="18" charset="0"/>
                 <a:ea typeface="Aptos" panose="020B0004020202020204" pitchFamily="34" charset="0"/>
                 <a:cs typeface="Times New Roman" panose="02020603050405020304" pitchFamily="18" charset="0"/>
               </a:rPr>
@@ -23207,7 +23207,10 @@
             </a:r>
           </a:p>
           <a:p>
-            <a:endParaRPr lang="en-US" dirty="0"/>
+            <a:endParaRPr lang="en-US" sz="2400" dirty="0">
+              <a:latin typeface="Times New Roman" panose="02020603050405020304" pitchFamily="18" charset="0"/>
+              <a:cs typeface="Times New Roman" panose="02020603050405020304" pitchFamily="18" charset="0"/>
+            </a:endParaRPr>
           </a:p>
         </p:txBody>
       </p:sp>
@@ -23372,7 +23375,7 @@
         <p:spPr/>
         <p:txBody>
           <a:bodyPr>
-            <a:normAutofit lnSpcReduction="10000"/>
+            <a:noAutofit/>
           </a:bodyPr>
           <a:lstStyle/>
           <a:p>
@@ -23388,18 +23391,18 @@
               </a:spcAft>
             </a:pPr>
             <a:r>
-              <a:rPr lang="en-US" sz="1800" b="1" kern="100" dirty="0">
+              <a:rPr lang="en-US" sz="2000" b="1" kern="100" dirty="0">
                 <a:effectLst/>
-                <a:latin typeface="Aptos" panose="020B0004020202020204" pitchFamily="34" charset="0"/>
+                <a:latin typeface="Times New Roman" panose="02020603050405020304" pitchFamily="18" charset="0"/>
                 <a:ea typeface="Aptos" panose="020B0004020202020204" pitchFamily="34" charset="0"/>
                 <a:cs typeface="Times New Roman" panose="02020603050405020304" pitchFamily="18" charset="0"/>
               </a:rPr>
               <a:t> Error Rates on ImageNet LSVRC-2010 :</a:t>
             </a:r>
             <a:r>
-              <a:rPr lang="en-US" sz="1800" kern="100" dirty="0">
+              <a:rPr lang="en-US" sz="2000" kern="100" dirty="0">
                 <a:effectLst/>
-                <a:latin typeface="Aptos" panose="020B0004020202020204" pitchFamily="34" charset="0"/>
+                <a:latin typeface="Times New Roman" panose="02020603050405020304" pitchFamily="18" charset="0"/>
                 <a:ea typeface="Aptos" panose="020B0004020202020204" pitchFamily="34" charset="0"/>
                 <a:cs typeface="Times New Roman" panose="02020603050405020304" pitchFamily="18" charset="0"/>
               </a:rPr>
@@ -23419,18 +23422,18 @@
               </a:spcAft>
             </a:pPr>
             <a:r>
-              <a:rPr lang="en-US" sz="1800" b="1" kern="100" dirty="0">
+              <a:rPr lang="en-US" sz="2000" b="1" kern="100" dirty="0">
                 <a:effectLst/>
-                <a:latin typeface="Aptos" panose="020B0004020202020204" pitchFamily="34" charset="0"/>
+                <a:latin typeface="Times New Roman" panose="02020603050405020304" pitchFamily="18" charset="0"/>
                 <a:ea typeface="Aptos" panose="020B0004020202020204" pitchFamily="34" charset="0"/>
                 <a:cs typeface="Times New Roman" panose="02020603050405020304" pitchFamily="18" charset="0"/>
               </a:rPr>
               <a:t>Error Rate on ILSVRC-2012 :</a:t>
             </a:r>
             <a:r>
-              <a:rPr lang="en-US" sz="1800" kern="100" dirty="0">
+              <a:rPr lang="en-US" sz="2000" kern="100" dirty="0">
                 <a:effectLst/>
-                <a:latin typeface="Aptos" panose="020B0004020202020204" pitchFamily="34" charset="0"/>
+                <a:latin typeface="Times New Roman" panose="02020603050405020304" pitchFamily="18" charset="0"/>
                 <a:ea typeface="Aptos" panose="020B0004020202020204" pitchFamily="34" charset="0"/>
                 <a:cs typeface="Times New Roman" panose="02020603050405020304" pitchFamily="18" charset="0"/>
               </a:rPr>
@@ -23450,54 +23453,54 @@
               </a:spcAft>
             </a:pPr>
             <a:r>
-              <a:rPr lang="en-US" sz="1800" b="1" kern="100" dirty="0">
+              <a:rPr lang="en-US" sz="2000" b="1" kern="100" dirty="0">
                 <a:effectLst/>
-                <a:latin typeface="Aptos" panose="020B0004020202020204" pitchFamily="34" charset="0"/>
+                <a:latin typeface="Times New Roman" panose="02020603050405020304" pitchFamily="18" charset="0"/>
                 <a:ea typeface="Aptos" panose="020B0004020202020204" pitchFamily="34" charset="0"/>
                 <a:cs typeface="Times New Roman" panose="02020603050405020304" pitchFamily="18" charset="0"/>
               </a:rPr>
               <a:t>Impact of </a:t>
             </a:r>
             <a:r>
-              <a:rPr lang="en-US" sz="1800" b="1" kern="100" dirty="0" err="1">
+              <a:rPr lang="en-US" sz="2000" b="1" kern="100" dirty="0" err="1">
                 <a:effectLst/>
-                <a:latin typeface="Aptos" panose="020B0004020202020204" pitchFamily="34" charset="0"/>
+                <a:latin typeface="Times New Roman" panose="02020603050405020304" pitchFamily="18" charset="0"/>
                 <a:ea typeface="Aptos" panose="020B0004020202020204" pitchFamily="34" charset="0"/>
                 <a:cs typeface="Times New Roman" panose="02020603050405020304" pitchFamily="18" charset="0"/>
               </a:rPr>
               <a:t>ReLU</a:t>
             </a:r>
             <a:r>
-              <a:rPr lang="en-US" sz="1800" b="1" kern="100" dirty="0">
+              <a:rPr lang="en-US" sz="2000" b="1" kern="100" dirty="0">
                 <a:effectLst/>
-                <a:latin typeface="Aptos" panose="020B0004020202020204" pitchFamily="34" charset="0"/>
+                <a:latin typeface="Times New Roman" panose="02020603050405020304" pitchFamily="18" charset="0"/>
                 <a:ea typeface="Aptos" panose="020B0004020202020204" pitchFamily="34" charset="0"/>
                 <a:cs typeface="Times New Roman" panose="02020603050405020304" pitchFamily="18" charset="0"/>
               </a:rPr>
               <a:t> Activation :</a:t>
             </a:r>
             <a:r>
-              <a:rPr lang="en-US" sz="1800" kern="100" dirty="0">
+              <a:rPr lang="en-US" sz="2000" kern="100" dirty="0">
                 <a:effectLst/>
-                <a:latin typeface="Aptos" panose="020B0004020202020204" pitchFamily="34" charset="0"/>
+                <a:latin typeface="Times New Roman" panose="02020603050405020304" pitchFamily="18" charset="0"/>
                 <a:ea typeface="Aptos" panose="020B0004020202020204" pitchFamily="34" charset="0"/>
                 <a:cs typeface="Times New Roman" panose="02020603050405020304" pitchFamily="18" charset="0"/>
               </a:rPr>
               <a:t> The use of </a:t>
             </a:r>
             <a:r>
-              <a:rPr lang="en-US" sz="1800" kern="100" dirty="0" err="1">
+              <a:rPr lang="en-US" sz="2000" kern="100" dirty="0" err="1">
                 <a:effectLst/>
-                <a:latin typeface="Aptos" panose="020B0004020202020204" pitchFamily="34" charset="0"/>
+                <a:latin typeface="Times New Roman" panose="02020603050405020304" pitchFamily="18" charset="0"/>
                 <a:ea typeface="Aptos" panose="020B0004020202020204" pitchFamily="34" charset="0"/>
                 <a:cs typeface="Times New Roman" panose="02020603050405020304" pitchFamily="18" charset="0"/>
               </a:rPr>
               <a:t>ReLU</a:t>
             </a:r>
             <a:r>
-              <a:rPr lang="en-US" sz="1800" kern="100" dirty="0">
+              <a:rPr lang="en-US" sz="2000" kern="100" dirty="0">
                 <a:effectLst/>
-                <a:latin typeface="Aptos" panose="020B0004020202020204" pitchFamily="34" charset="0"/>
+                <a:latin typeface="Times New Roman" panose="02020603050405020304" pitchFamily="18" charset="0"/>
                 <a:ea typeface="Aptos" panose="020B0004020202020204" pitchFamily="34" charset="0"/>
                 <a:cs typeface="Times New Roman" panose="02020603050405020304" pitchFamily="18" charset="0"/>
               </a:rPr>
@@ -23517,27 +23520,27 @@
               </a:spcAft>
             </a:pPr>
             <a:r>
-              <a:rPr lang="en-US" sz="1800" kern="100" dirty="0">
+              <a:rPr lang="en-US" sz="2000" kern="100" dirty="0">
                 <a:effectLst/>
-                <a:latin typeface="Aptos" panose="020B0004020202020204" pitchFamily="34" charset="0"/>
+                <a:latin typeface="Times New Roman" panose="02020603050405020304" pitchFamily="18" charset="0"/>
                 <a:ea typeface="Aptos" panose="020B0004020202020204" pitchFamily="34" charset="0"/>
                 <a:cs typeface="Times New Roman" panose="02020603050405020304" pitchFamily="18" charset="0"/>
               </a:rPr>
               <a:t> </a:t>
             </a:r>
             <a:r>
-              <a:rPr lang="en-US" sz="1800" b="1" kern="100" dirty="0">
+              <a:rPr lang="en-US" sz="2000" b="1" kern="100" dirty="0">
                 <a:effectLst/>
-                <a:latin typeface="Aptos" panose="020B0004020202020204" pitchFamily="34" charset="0"/>
+                <a:latin typeface="Times New Roman" panose="02020603050405020304" pitchFamily="18" charset="0"/>
                 <a:ea typeface="Aptos" panose="020B0004020202020204" pitchFamily="34" charset="0"/>
                 <a:cs typeface="Times New Roman" panose="02020603050405020304" pitchFamily="18" charset="0"/>
               </a:rPr>
               <a:t>Effectiveness of Dropout :</a:t>
             </a:r>
             <a:r>
-              <a:rPr lang="en-US" sz="1800" kern="100" dirty="0">
+              <a:rPr lang="en-US" sz="2000" kern="100" dirty="0">
                 <a:effectLst/>
-                <a:latin typeface="Aptos" panose="020B0004020202020204" pitchFamily="34" charset="0"/>
+                <a:latin typeface="Times New Roman" panose="02020603050405020304" pitchFamily="18" charset="0"/>
                 <a:ea typeface="Aptos" panose="020B0004020202020204" pitchFamily="34" charset="0"/>
                 <a:cs typeface="Times New Roman" panose="02020603050405020304" pitchFamily="18" charset="0"/>
               </a:rPr>
@@ -23557,18 +23560,18 @@
               </a:spcAft>
             </a:pPr>
             <a:r>
-              <a:rPr lang="en-US" sz="1800" b="1" kern="100" dirty="0">
+              <a:rPr lang="en-US" sz="2000" b="1" kern="100" dirty="0">
                 <a:effectLst/>
-                <a:latin typeface="Aptos" panose="020B0004020202020204" pitchFamily="34" charset="0"/>
+                <a:latin typeface="Times New Roman" panose="02020603050405020304" pitchFamily="18" charset="0"/>
                 <a:ea typeface="Aptos" panose="020B0004020202020204" pitchFamily="34" charset="0"/>
                 <a:cs typeface="Times New Roman" panose="02020603050405020304" pitchFamily="18" charset="0"/>
               </a:rPr>
               <a:t>GPU Training Efficiency :</a:t>
             </a:r>
             <a:r>
-              <a:rPr lang="en-US" sz="1800" kern="100" dirty="0">
+              <a:rPr lang="en-US" sz="2000" kern="100" dirty="0">
                 <a:effectLst/>
-                <a:latin typeface="Aptos" panose="020B0004020202020204" pitchFamily="34" charset="0"/>
+                <a:latin typeface="Times New Roman" panose="02020603050405020304" pitchFamily="18" charset="0"/>
                 <a:ea typeface="Aptos" panose="020B0004020202020204" pitchFamily="34" charset="0"/>
                 <a:cs typeface="Times New Roman" panose="02020603050405020304" pitchFamily="18" charset="0"/>
               </a:rPr>
@@ -23588,40 +23591,22 @@
               </a:spcAft>
             </a:pPr>
             <a:r>
-              <a:rPr lang="en-US" sz="1800" b="1" kern="100" dirty="0">
+              <a:rPr lang="en-US" sz="2000" b="1" kern="100" dirty="0">
                 <a:effectLst/>
-                <a:latin typeface="Aptos" panose="020B0004020202020204" pitchFamily="34" charset="0"/>
+                <a:latin typeface="Times New Roman" panose="02020603050405020304" pitchFamily="18" charset="0"/>
                 <a:ea typeface="Aptos" panose="020B0004020202020204" pitchFamily="34" charset="0"/>
                 <a:cs typeface="Times New Roman" panose="02020603050405020304" pitchFamily="18" charset="0"/>
               </a:rPr>
-              <a:t>Scalability </a:t>
+              <a:t>Scalability and Practicality :</a:t>
             </a:r>
             <a:r>
-              <a:rPr lang="en-US" sz="1800" b="1" kern="100">
+              <a:rPr lang="en-US" sz="2000" kern="100" dirty="0">
                 <a:effectLst/>
-                <a:latin typeface="Aptos" panose="020B0004020202020204" pitchFamily="34" charset="0"/>
+                <a:latin typeface="Times New Roman" panose="02020603050405020304" pitchFamily="18" charset="0"/>
                 <a:ea typeface="Aptos" panose="020B0004020202020204" pitchFamily="34" charset="0"/>
                 <a:cs typeface="Times New Roman" panose="02020603050405020304" pitchFamily="18" charset="0"/>
               </a:rPr>
-              <a:t>and Practicality :</a:t>
-            </a:r>
-            <a:r>
-              <a:rPr lang="en-US" sz="1800" kern="100">
-                <a:effectLst/>
-                <a:latin typeface="Aptos" panose="020B0004020202020204" pitchFamily="34" charset="0"/>
-                <a:ea typeface="Aptos" panose="020B0004020202020204" pitchFamily="34" charset="0"/>
-                <a:cs typeface="Times New Roman" panose="02020603050405020304" pitchFamily="18" charset="0"/>
-              </a:rPr>
-              <a:t> </a:t>
-            </a:r>
-            <a:r>
-              <a:rPr lang="en-US" sz="1800" kern="100" dirty="0">
-                <a:effectLst/>
-                <a:latin typeface="Aptos" panose="020B0004020202020204" pitchFamily="34" charset="0"/>
-                <a:ea typeface="Aptos" panose="020B0004020202020204" pitchFamily="34" charset="0"/>
-                <a:cs typeface="Times New Roman" panose="02020603050405020304" pitchFamily="18" charset="0"/>
-              </a:rPr>
-              <a:t>Demonstrated that the proposed CNN architecture can handle large-scale datasets effectively, paving the way for its application in various real-world image classification tasks.</a:t>
+              <a:t> Demonstrated that the proposed CNN architecture can handle large-scale datasets effectively, paving the way for its application in various real-world image classification tasks.</a:t>
             </a:r>
           </a:p>
           <a:p>
@@ -23636,9 +23621,9 @@
                 <a:spcPts val="800"/>
               </a:spcAft>
             </a:pPr>
-            <a:endParaRPr lang="en-US" sz="1800" kern="100" dirty="0">
+            <a:endParaRPr lang="en-US" sz="2000" kern="100" dirty="0">
               <a:effectLst/>
-              <a:latin typeface="Aptos" panose="020B0004020202020204" pitchFamily="34" charset="0"/>
+              <a:latin typeface="Times New Roman" panose="02020603050405020304" pitchFamily="18" charset="0"/>
               <a:ea typeface="Aptos" panose="020B0004020202020204" pitchFamily="34" charset="0"/>
               <a:cs typeface="Times New Roman" panose="02020603050405020304" pitchFamily="18" charset="0"/>
             </a:endParaRPr>
@@ -23655,9 +23640,9 @@
                 <a:spcPts val="800"/>
               </a:spcAft>
             </a:pPr>
-            <a:endParaRPr lang="en-US" sz="1800" kern="100" dirty="0">
+            <a:endParaRPr lang="en-US" sz="2000" kern="100" dirty="0">
               <a:effectLst/>
-              <a:latin typeface="Aptos" panose="020B0004020202020204" pitchFamily="34" charset="0"/>
+              <a:latin typeface="Times New Roman" panose="02020603050405020304" pitchFamily="18" charset="0"/>
               <a:ea typeface="Aptos" panose="020B0004020202020204" pitchFamily="34" charset="0"/>
               <a:cs typeface="Times New Roman" panose="02020603050405020304" pitchFamily="18" charset="0"/>
             </a:endParaRPr>
@@ -23674,9 +23659,9 @@
                 <a:spcPts val="800"/>
               </a:spcAft>
             </a:pPr>
-            <a:endParaRPr lang="en-US" sz="1800" kern="100" dirty="0">
+            <a:endParaRPr lang="en-US" sz="2000" kern="100" dirty="0">
               <a:effectLst/>
-              <a:latin typeface="Aptos" panose="020B0004020202020204" pitchFamily="34" charset="0"/>
+              <a:latin typeface="Times New Roman" panose="02020603050405020304" pitchFamily="18" charset="0"/>
               <a:ea typeface="Aptos" panose="020B0004020202020204" pitchFamily="34" charset="0"/>
               <a:cs typeface="Times New Roman" panose="02020603050405020304" pitchFamily="18" charset="0"/>
             </a:endParaRPr>
@@ -23693,9 +23678,9 @@
                 <a:spcPts val="800"/>
               </a:spcAft>
             </a:pPr>
-            <a:endParaRPr lang="en-US" sz="1800" kern="100" dirty="0">
+            <a:endParaRPr lang="en-US" sz="2000" kern="100" dirty="0">
               <a:effectLst/>
-              <a:latin typeface="Aptos" panose="020B0004020202020204" pitchFamily="34" charset="0"/>
+              <a:latin typeface="Times New Roman" panose="02020603050405020304" pitchFamily="18" charset="0"/>
               <a:ea typeface="Aptos" panose="020B0004020202020204" pitchFamily="34" charset="0"/>
               <a:cs typeface="Times New Roman" panose="02020603050405020304" pitchFamily="18" charset="0"/>
             </a:endParaRPr>
@@ -23712,9 +23697,9 @@
                 <a:spcPts val="800"/>
               </a:spcAft>
             </a:pPr>
-            <a:endParaRPr lang="en-US" sz="1800" kern="100" dirty="0">
+            <a:endParaRPr lang="en-US" sz="2000" kern="100" dirty="0">
               <a:effectLst/>
-              <a:latin typeface="Aptos" panose="020B0004020202020204" pitchFamily="34" charset="0"/>
+              <a:latin typeface="Times New Roman" panose="02020603050405020304" pitchFamily="18" charset="0"/>
               <a:ea typeface="Aptos" panose="020B0004020202020204" pitchFamily="34" charset="0"/>
               <a:cs typeface="Times New Roman" panose="02020603050405020304" pitchFamily="18" charset="0"/>
             </a:endParaRPr>
@@ -23731,15 +23716,18 @@
                 <a:spcPts val="800"/>
               </a:spcAft>
             </a:pPr>
-            <a:endParaRPr lang="en-US" sz="1800" kern="100" dirty="0">
+            <a:endParaRPr lang="en-US" sz="2000" kern="100" dirty="0">
               <a:effectLst/>
-              <a:latin typeface="Aptos" panose="020B0004020202020204" pitchFamily="34" charset="0"/>
+              <a:latin typeface="Times New Roman" panose="02020603050405020304" pitchFamily="18" charset="0"/>
               <a:ea typeface="Aptos" panose="020B0004020202020204" pitchFamily="34" charset="0"/>
               <a:cs typeface="Times New Roman" panose="02020603050405020304" pitchFamily="18" charset="0"/>
             </a:endParaRPr>
           </a:p>
           <a:p>
-            <a:endParaRPr lang="en-US" dirty="0"/>
+            <a:endParaRPr lang="en-US" sz="2000" dirty="0">
+              <a:latin typeface="Times New Roman" panose="02020603050405020304" pitchFamily="18" charset="0"/>
+              <a:cs typeface="Times New Roman" panose="02020603050405020304" pitchFamily="18" charset="0"/>
+            </a:endParaRPr>
           </a:p>
         </p:txBody>
       </p:sp>
@@ -25766,7 +25754,9 @@
         </p:nvSpPr>
         <p:spPr/>
         <p:txBody>
-          <a:bodyPr/>
+          <a:bodyPr>
+            <a:normAutofit/>
+          </a:bodyPr>
           <a:lstStyle/>
           <a:p>
             <a:pPr marL="0" marR="0">
@@ -25781,7 +25771,7 @@
               </a:spcAft>
             </a:pPr>
             <a:r>
-              <a:rPr lang="en-US" sz="1800" kern="0" dirty="0">
+              <a:rPr lang="en-US" sz="2000" kern="0" dirty="0">
                 <a:effectLst/>
                 <a:latin typeface="Times New Roman" panose="02020603050405020304" pitchFamily="18" charset="0"/>
                 <a:ea typeface="Times New Roman" panose="02020603050405020304" pitchFamily="18" charset="0"/>
@@ -25790,7 +25780,7 @@
               <a:t> </a:t>
             </a:r>
             <a:r>
-              <a:rPr lang="en-US" sz="1800" b="1" kern="0" dirty="0">
+              <a:rPr lang="en-US" sz="2000" b="1" kern="0" dirty="0">
                 <a:effectLst/>
                 <a:latin typeface="Times New Roman" panose="02020603050405020304" pitchFamily="18" charset="0"/>
                 <a:ea typeface="Times New Roman" panose="02020603050405020304" pitchFamily="18" charset="0"/>
@@ -25799,7 +25789,7 @@
               <a:t>Significance in Computer Vision:</a:t>
             </a:r>
             <a:r>
-              <a:rPr lang="en-US" sz="1800" kern="0" dirty="0">
+              <a:rPr lang="en-US" sz="2000" kern="0" dirty="0">
                 <a:effectLst/>
                 <a:latin typeface="Times New Roman" panose="02020603050405020304" pitchFamily="18" charset="0"/>
                 <a:ea typeface="Times New Roman" panose="02020603050405020304" pitchFamily="18" charset="0"/>
@@ -25807,9 +25797,9 @@
               </a:rPr>
               <a:t> Emphasize how this research addresses a critical challenge in computer vision and its impact on the field.</a:t>
             </a:r>
-            <a:endParaRPr lang="en-US" sz="1800" kern="100" dirty="0">
+            <a:endParaRPr lang="en-US" sz="2000" kern="100" dirty="0">
               <a:effectLst/>
-              <a:latin typeface="Aptos" panose="020B0004020202020204" pitchFamily="34" charset="0"/>
+              <a:latin typeface="Times New Roman" panose="02020603050405020304" pitchFamily="18" charset="0"/>
               <a:ea typeface="Aptos" panose="020B0004020202020204" pitchFamily="34" charset="0"/>
               <a:cs typeface="Times New Roman" panose="02020603050405020304" pitchFamily="18" charset="0"/>
             </a:endParaRPr>
@@ -25827,7 +25817,7 @@
               </a:spcAft>
             </a:pPr>
             <a:r>
-              <a:rPr lang="en-US" sz="1800" kern="0" dirty="0">
+              <a:rPr lang="en-US" sz="2000" kern="0" dirty="0">
                 <a:effectLst/>
                 <a:latin typeface="Times New Roman" panose="02020603050405020304" pitchFamily="18" charset="0"/>
                 <a:ea typeface="Times New Roman" panose="02020603050405020304" pitchFamily="18" charset="0"/>
@@ -25836,7 +25826,7 @@
               <a:t> </a:t>
             </a:r>
             <a:r>
-              <a:rPr lang="en-US" sz="1800" b="1" kern="0" dirty="0">
+              <a:rPr lang="en-US" sz="2000" b="1" kern="0" dirty="0">
                 <a:effectLst/>
                 <a:latin typeface="Times New Roman" panose="02020603050405020304" pitchFamily="18" charset="0"/>
                 <a:ea typeface="Times New Roman" panose="02020603050405020304" pitchFamily="18" charset="0"/>
@@ -25845,7 +25835,7 @@
               <a:t>Innovation in Model Design:</a:t>
             </a:r>
             <a:r>
-              <a:rPr lang="en-US" sz="1800" kern="0" dirty="0">
+              <a:rPr lang="en-US" sz="2000" kern="0" dirty="0">
                 <a:effectLst/>
                 <a:latin typeface="Times New Roman" panose="02020603050405020304" pitchFamily="18" charset="0"/>
                 <a:ea typeface="Times New Roman" panose="02020603050405020304" pitchFamily="18" charset="0"/>
@@ -25854,7 +25844,7 @@
               <a:t> Highlight the novel aspects of the model, such as the use of </a:t>
             </a:r>
             <a:r>
-              <a:rPr lang="en-US" sz="1800" kern="0" dirty="0" err="1">
+              <a:rPr lang="en-US" sz="2000" kern="0" dirty="0" err="1">
                 <a:effectLst/>
                 <a:latin typeface="Times New Roman" panose="02020603050405020304" pitchFamily="18" charset="0"/>
                 <a:ea typeface="Times New Roman" panose="02020603050405020304" pitchFamily="18" charset="0"/>
@@ -25863,7 +25853,7 @@
               <a:t>ReLU</a:t>
             </a:r>
             <a:r>
-              <a:rPr lang="en-US" sz="1800" kern="0" dirty="0">
+              <a:rPr lang="en-US" sz="2000" kern="0" dirty="0">
                 <a:effectLst/>
                 <a:latin typeface="Times New Roman" panose="02020603050405020304" pitchFamily="18" charset="0"/>
                 <a:ea typeface="Times New Roman" panose="02020603050405020304" pitchFamily="18" charset="0"/>
@@ -25871,9 +25861,9 @@
               </a:rPr>
               <a:t> nonlinearity, dropout, and GPU-based training.</a:t>
             </a:r>
-            <a:endParaRPr lang="en-US" sz="1800" kern="100" dirty="0">
+            <a:endParaRPr lang="en-US" sz="2000" kern="100" dirty="0">
               <a:effectLst/>
-              <a:latin typeface="Aptos" panose="020B0004020202020204" pitchFamily="34" charset="0"/>
+              <a:latin typeface="Times New Roman" panose="02020603050405020304" pitchFamily="18" charset="0"/>
               <a:ea typeface="Aptos" panose="020B0004020202020204" pitchFamily="34" charset="0"/>
               <a:cs typeface="Times New Roman" panose="02020603050405020304" pitchFamily="18" charset="0"/>
             </a:endParaRPr>
@@ -25891,7 +25881,7 @@
               </a:spcAft>
             </a:pPr>
             <a:r>
-              <a:rPr lang="en-US" sz="1800" b="1" kern="0" dirty="0">
+              <a:rPr lang="en-US" sz="2000" b="1" kern="0" dirty="0">
                 <a:effectLst/>
                 <a:latin typeface="Times New Roman" panose="02020603050405020304" pitchFamily="18" charset="0"/>
                 <a:ea typeface="Times New Roman" panose="02020603050405020304" pitchFamily="18" charset="0"/>
@@ -25900,7 +25890,7 @@
               <a:t>Performance Improvements:</a:t>
             </a:r>
             <a:r>
-              <a:rPr lang="en-US" sz="1800" kern="0" dirty="0">
+              <a:rPr lang="en-US" sz="2000" kern="0" dirty="0">
                 <a:effectLst/>
                 <a:latin typeface="Times New Roman" panose="02020603050405020304" pitchFamily="18" charset="0"/>
                 <a:ea typeface="Times New Roman" panose="02020603050405020304" pitchFamily="18" charset="0"/>
@@ -25908,9 +25898,9 @@
               </a:rPr>
               <a:t> Showcase the significant reduction in error rates achieved by this model compared to previous state-of-the-art results.</a:t>
             </a:r>
-            <a:endParaRPr lang="en-US" sz="1800" kern="100" dirty="0">
+            <a:endParaRPr lang="en-US" sz="2000" kern="100" dirty="0">
               <a:effectLst/>
-              <a:latin typeface="Aptos" panose="020B0004020202020204" pitchFamily="34" charset="0"/>
+              <a:latin typeface="Times New Roman" panose="02020603050405020304" pitchFamily="18" charset="0"/>
               <a:ea typeface="Aptos" panose="020B0004020202020204" pitchFamily="34" charset="0"/>
               <a:cs typeface="Times New Roman" panose="02020603050405020304" pitchFamily="18" charset="0"/>
             </a:endParaRPr>
@@ -25928,7 +25918,7 @@
               </a:spcAft>
             </a:pPr>
             <a:r>
-              <a:rPr lang="en-US" sz="1800" b="1" kern="0" dirty="0">
+              <a:rPr lang="en-US" sz="2000" b="1" kern="0" dirty="0">
                 <a:effectLst/>
                 <a:latin typeface="Times New Roman" panose="02020603050405020304" pitchFamily="18" charset="0"/>
                 <a:ea typeface="Times New Roman" panose="02020603050405020304" pitchFamily="18" charset="0"/>
@@ -25937,7 +25927,7 @@
               <a:t>Scalability and Efficiency:</a:t>
             </a:r>
             <a:r>
-              <a:rPr lang="en-US" sz="1800" kern="0" dirty="0">
+              <a:rPr lang="en-US" sz="2000" kern="0" dirty="0">
                 <a:effectLst/>
                 <a:latin typeface="Times New Roman" panose="02020603050405020304" pitchFamily="18" charset="0"/>
                 <a:ea typeface="Times New Roman" panose="02020603050405020304" pitchFamily="18" charset="0"/>
@@ -25945,9 +25935,9 @@
               </a:rPr>
               <a:t> Discuss how the model efficiently handles large-scale data and the importance of GPU acceleration in training.</a:t>
             </a:r>
-            <a:endParaRPr lang="en-US" sz="1800" kern="100" dirty="0">
+            <a:endParaRPr lang="en-US" sz="2000" kern="100" dirty="0">
               <a:effectLst/>
-              <a:latin typeface="Aptos" panose="020B0004020202020204" pitchFamily="34" charset="0"/>
+              <a:latin typeface="Times New Roman" panose="02020603050405020304" pitchFamily="18" charset="0"/>
               <a:ea typeface="Aptos" panose="020B0004020202020204" pitchFamily="34" charset="0"/>
               <a:cs typeface="Times New Roman" panose="02020603050405020304" pitchFamily="18" charset="0"/>
             </a:endParaRPr>
@@ -25965,7 +25955,7 @@
               </a:spcAft>
             </a:pPr>
             <a:r>
-              <a:rPr lang="en-US" sz="1800" b="1" kern="0" dirty="0">
+              <a:rPr lang="en-US" sz="2000" b="1" kern="0" dirty="0">
                 <a:effectLst/>
                 <a:latin typeface="Times New Roman" panose="02020603050405020304" pitchFamily="18" charset="0"/>
                 <a:ea typeface="Times New Roman" panose="02020603050405020304" pitchFamily="18" charset="0"/>
@@ -25974,7 +25964,7 @@
               <a:t>Broader Implications:</a:t>
             </a:r>
             <a:r>
-              <a:rPr lang="en-US" sz="1800" kern="0" dirty="0">
+              <a:rPr lang="en-US" sz="2000" kern="0" dirty="0">
                 <a:effectLst/>
                 <a:latin typeface="Times New Roman" panose="02020603050405020304" pitchFamily="18" charset="0"/>
                 <a:ea typeface="Times New Roman" panose="02020603050405020304" pitchFamily="18" charset="0"/>
@@ -25982,9 +25972,9 @@
               </a:rPr>
               <a:t> Mention how the success of this research sets the stage for future developments in deep learning and computer vision.</a:t>
             </a:r>
-            <a:endParaRPr lang="en-US" sz="1800" kern="100" dirty="0">
+            <a:endParaRPr lang="en-US" sz="2000" kern="100" dirty="0">
               <a:effectLst/>
-              <a:latin typeface="Aptos" panose="020B0004020202020204" pitchFamily="34" charset="0"/>
+              <a:latin typeface="Times New Roman" panose="02020603050405020304" pitchFamily="18" charset="0"/>
               <a:ea typeface="Aptos" panose="020B0004020202020204" pitchFamily="34" charset="0"/>
               <a:cs typeface="Times New Roman" panose="02020603050405020304" pitchFamily="18" charset="0"/>
             </a:endParaRPr>
@@ -26002,15 +25992,15 @@
               </a:spcAft>
             </a:pPr>
             <a:r>
-              <a:rPr lang="en-US" sz="1800" b="1" kern="0" dirty="0">
-                <a:latin typeface="Symbol" panose="05050102010706020507" pitchFamily="18" charset="2"/>
+              <a:rPr lang="en-US" sz="2000" b="1" kern="0" dirty="0">
+                <a:latin typeface="Times New Roman" panose="02020603050405020304" pitchFamily="18" charset="0"/>
                 <a:ea typeface="Times New Roman" panose="02020603050405020304" pitchFamily="18" charset="0"/>
                 <a:cs typeface="Times New Roman" panose="02020603050405020304" pitchFamily="18" charset="0"/>
               </a:rPr>
               <a:t>  </a:t>
             </a:r>
             <a:r>
-              <a:rPr lang="en-US" sz="1800" b="1" kern="0" dirty="0">
+              <a:rPr lang="en-US" sz="2000" b="1" kern="0" dirty="0">
                 <a:effectLst/>
                 <a:latin typeface="Times New Roman" panose="02020603050405020304" pitchFamily="18" charset="0"/>
                 <a:ea typeface="Times New Roman" panose="02020603050405020304" pitchFamily="18" charset="0"/>
@@ -26019,7 +26009,7 @@
               <a:t>Limitations and Future Work:</a:t>
             </a:r>
             <a:r>
-              <a:rPr lang="en-US" sz="1800" kern="0" dirty="0">
+              <a:rPr lang="en-US" sz="2000" kern="0" dirty="0">
                 <a:effectLst/>
                 <a:latin typeface="Times New Roman" panose="02020603050405020304" pitchFamily="18" charset="0"/>
                 <a:ea typeface="Times New Roman" panose="02020603050405020304" pitchFamily="18" charset="0"/>
@@ -26027,15 +26017,18 @@
               </a:rPr>
               <a:t> Acknowledge the limitations, such as the need for powerful hardware and large labeled datasets, and suggest areas for future exploration.</a:t>
             </a:r>
-            <a:endParaRPr lang="en-US" sz="1800" kern="100" dirty="0">
+            <a:endParaRPr lang="en-US" sz="2000" kern="100" dirty="0">
               <a:effectLst/>
-              <a:latin typeface="Aptos" panose="020B0004020202020204" pitchFamily="34" charset="0"/>
+              <a:latin typeface="Times New Roman" panose="02020603050405020304" pitchFamily="18" charset="0"/>
               <a:ea typeface="Aptos" panose="020B0004020202020204" pitchFamily="34" charset="0"/>
               <a:cs typeface="Times New Roman" panose="02020603050405020304" pitchFamily="18" charset="0"/>
             </a:endParaRPr>
           </a:p>
           <a:p>
-            <a:endParaRPr lang="en-US" dirty="0"/>
+            <a:endParaRPr lang="en-US" sz="2000" dirty="0">
+              <a:latin typeface="Times New Roman" panose="02020603050405020304" pitchFamily="18" charset="0"/>
+              <a:cs typeface="Times New Roman" panose="02020603050405020304" pitchFamily="18" charset="0"/>
+            </a:endParaRPr>
           </a:p>
         </p:txBody>
       </p:sp>
@@ -26743,7 +26736,7 @@
         </p:nvSpPr>
         <p:spPr>
           <a:xfrm>
-            <a:off x="838200" y="365125"/>
+            <a:off x="838200" y="173101"/>
             <a:ext cx="10515600" cy="805307"/>
           </a:xfrm>
         </p:spPr>
@@ -26776,7 +26769,7 @@
         </p:nvSpPr>
         <p:spPr>
           <a:xfrm>
-            <a:off x="838200" y="1316736"/>
+            <a:off x="838200" y="905256"/>
             <a:ext cx="10515600" cy="4860227"/>
           </a:xfrm>
         </p:spPr>
@@ -26798,7 +26791,7 @@
               </a:spcAft>
             </a:pPr>
             <a:r>
-              <a:rPr lang="en-US" sz="1600" kern="100" dirty="0">
+              <a:rPr lang="en-US" sz="1800" kern="100" dirty="0">
                 <a:effectLst/>
                 <a:latin typeface="Times New Roman" panose="02020603050405020304" pitchFamily="18" charset="0"/>
                 <a:ea typeface="Aptos" panose="020B0004020202020204" pitchFamily="34" charset="0"/>
@@ -26820,7 +26813,7 @@
               </a:spcAft>
             </a:pPr>
             <a:r>
-              <a:rPr lang="en-US" sz="1600" b="1" kern="100" dirty="0">
+              <a:rPr lang="en-US" sz="1800" b="1" kern="100" dirty="0">
                 <a:effectLst/>
                 <a:latin typeface="Times New Roman" panose="02020603050405020304" pitchFamily="18" charset="0"/>
                 <a:ea typeface="Aptos" panose="020B0004020202020204" pitchFamily="34" charset="0"/>
@@ -26829,7 +26822,7 @@
               <a:t>High Error Rates:</a:t>
             </a:r>
             <a:r>
-              <a:rPr lang="en-US" sz="1600" kern="100" dirty="0">
+              <a:rPr lang="en-US" sz="1800" kern="100" dirty="0">
                 <a:effectLst/>
                 <a:latin typeface="Times New Roman" panose="02020603050405020304" pitchFamily="18" charset="0"/>
                 <a:ea typeface="Aptos" panose="020B0004020202020204" pitchFamily="34" charset="0"/>
@@ -26851,7 +26844,7 @@
               </a:spcAft>
             </a:pPr>
             <a:r>
-              <a:rPr lang="en-US" sz="1600" b="1" kern="100" dirty="0">
+              <a:rPr lang="en-US" sz="1800" b="1" kern="100" dirty="0">
                 <a:effectLst/>
                 <a:latin typeface="Times New Roman" panose="02020603050405020304" pitchFamily="18" charset="0"/>
                 <a:ea typeface="Aptos" panose="020B0004020202020204" pitchFamily="34" charset="0"/>
@@ -26860,7 +26853,7 @@
               <a:t>Overfitting: </a:t>
             </a:r>
             <a:r>
-              <a:rPr lang="en-US" sz="1600" kern="100" dirty="0">
+              <a:rPr lang="en-US" sz="1800" kern="100" dirty="0">
                 <a:effectLst/>
                 <a:latin typeface="Times New Roman" panose="02020603050405020304" pitchFamily="18" charset="0"/>
                 <a:ea typeface="Aptos" panose="020B0004020202020204" pitchFamily="34" charset="0"/>
@@ -26882,7 +26875,7 @@
               </a:spcAft>
             </a:pPr>
             <a:r>
-              <a:rPr lang="en-US" sz="1600" b="1" kern="100" dirty="0">
+              <a:rPr lang="en-US" sz="1800" b="1" kern="100" dirty="0">
                 <a:effectLst/>
                 <a:latin typeface="Times New Roman" panose="02020603050405020304" pitchFamily="18" charset="0"/>
                 <a:ea typeface="Aptos" panose="020B0004020202020204" pitchFamily="34" charset="0"/>
@@ -26891,7 +26884,7 @@
               <a:t>Scalability: </a:t>
             </a:r>
             <a:r>
-              <a:rPr lang="en-US" sz="1600" kern="100" dirty="0">
+              <a:rPr lang="en-US" sz="1800" kern="100" dirty="0">
                 <a:effectLst/>
                 <a:latin typeface="Times New Roman" panose="02020603050405020304" pitchFamily="18" charset="0"/>
                 <a:ea typeface="Aptos" panose="020B0004020202020204" pitchFamily="34" charset="0"/>
@@ -26913,7 +26906,7 @@
               </a:spcAft>
             </a:pPr>
             <a:r>
-              <a:rPr lang="en-US" sz="1600" b="1" kern="100" dirty="0">
+              <a:rPr lang="en-US" sz="1800" b="1" kern="100" dirty="0">
                 <a:effectLst/>
                 <a:latin typeface="Times New Roman" panose="02020603050405020304" pitchFamily="18" charset="0"/>
                 <a:ea typeface="Aptos" panose="020B0004020202020204" pitchFamily="34" charset="0"/>
@@ -26922,7 +26915,7 @@
               <a:t>Training Efficiency: </a:t>
             </a:r>
             <a:r>
-              <a:rPr lang="en-US" sz="1600" kern="100" dirty="0">
+              <a:rPr lang="en-US" sz="1800" kern="100" dirty="0">
                 <a:effectLst/>
                 <a:latin typeface="Times New Roman" panose="02020603050405020304" pitchFamily="18" charset="0"/>
                 <a:ea typeface="Aptos" panose="020B0004020202020204" pitchFamily="34" charset="0"/>
@@ -26944,7 +26937,7 @@
               </a:spcAft>
             </a:pPr>
             <a:r>
-              <a:rPr lang="en-US" sz="1600" b="1" kern="100" dirty="0">
+              <a:rPr lang="en-US" sz="1800" b="1" kern="100" dirty="0">
                 <a:effectLst/>
                 <a:latin typeface="Times New Roman" panose="02020603050405020304" pitchFamily="18" charset="0"/>
                 <a:ea typeface="Aptos" panose="020B0004020202020204" pitchFamily="34" charset="0"/>
@@ -26953,7 +26946,7 @@
               <a:t>Data Dependence: </a:t>
             </a:r>
             <a:r>
-              <a:rPr lang="en-US" sz="1600" kern="100" dirty="0">
+              <a:rPr lang="en-US" sz="1800" kern="100" dirty="0">
                 <a:effectLst/>
                 <a:latin typeface="Times New Roman" panose="02020603050405020304" pitchFamily="18" charset="0"/>
                 <a:ea typeface="Aptos" panose="020B0004020202020204" pitchFamily="34" charset="0"/>
@@ -26975,33 +26968,33 @@
               </a:spcAft>
             </a:pPr>
             <a:r>
-              <a:rPr lang="en-US" sz="1600" dirty="0">
+              <a:rPr lang="en-US" sz="1800" dirty="0">
                 <a:effectLst/>
-                <a:latin typeface="Aptos" panose="020B0004020202020204" pitchFamily="34" charset="0"/>
+                <a:latin typeface="Times New Roman" panose="02020603050405020304" pitchFamily="18" charset="0"/>
                 <a:ea typeface="Aptos" panose="020B0004020202020204" pitchFamily="34" charset="0"/>
                 <a:cs typeface="Times New Roman" panose="02020603050405020304" pitchFamily="18" charset="0"/>
               </a:rPr>
               <a:t>By developing a CNN with 60 million parameters, five convolutional layers, and three fully connected layers, this study aims to achieve significant improvements in accuracy and efficiency, leveraging innovations such as </a:t>
             </a:r>
             <a:r>
-              <a:rPr lang="en-US" sz="1600" dirty="0" err="1">
+              <a:rPr lang="en-US" sz="1800" dirty="0" err="1">
                 <a:effectLst/>
-                <a:latin typeface="Aptos" panose="020B0004020202020204" pitchFamily="34" charset="0"/>
+                <a:latin typeface="Times New Roman" panose="02020603050405020304" pitchFamily="18" charset="0"/>
                 <a:ea typeface="Aptos" panose="020B0004020202020204" pitchFamily="34" charset="0"/>
                 <a:cs typeface="Times New Roman" panose="02020603050405020304" pitchFamily="18" charset="0"/>
               </a:rPr>
               <a:t>ReLU</a:t>
             </a:r>
             <a:r>
-              <a:rPr lang="en-US" sz="1600" dirty="0">
+              <a:rPr lang="en-US" sz="1800" dirty="0">
                 <a:effectLst/>
-                <a:latin typeface="Aptos" panose="020B0004020202020204" pitchFamily="34" charset="0"/>
+                <a:latin typeface="Times New Roman" panose="02020603050405020304" pitchFamily="18" charset="0"/>
                 <a:ea typeface="Aptos" panose="020B0004020202020204" pitchFamily="34" charset="0"/>
                 <a:cs typeface="Times New Roman" panose="02020603050405020304" pitchFamily="18" charset="0"/>
               </a:rPr>
               <a:t> nonlinearity, dropout regularization, GPU acceleration, and data augmentation. The ultimate goal is to set a new benchmark in image classification and pave the way for future advancements in deep learning and computer vision.</a:t>
             </a:r>
-            <a:endParaRPr lang="en-US" sz="1600" kern="100" dirty="0">
+            <a:endParaRPr lang="en-US" sz="1800" kern="100" dirty="0">
               <a:effectLst/>
               <a:latin typeface="Times New Roman" panose="02020603050405020304" pitchFamily="18" charset="0"/>
               <a:ea typeface="Aptos" panose="020B0004020202020204" pitchFamily="34" charset="0"/>
@@ -27009,7 +27002,7 @@
             </a:endParaRPr>
           </a:p>
           <a:p>
-            <a:endParaRPr lang="en-US" sz="1600" dirty="0">
+            <a:endParaRPr lang="en-US" sz="1800" dirty="0">
               <a:latin typeface="Times New Roman" panose="02020603050405020304" pitchFamily="18" charset="0"/>
               <a:cs typeface="Times New Roman" panose="02020603050405020304" pitchFamily="18" charset="0"/>
             </a:endParaRPr>
@@ -28041,7 +28034,7 @@
         <p:spPr/>
         <p:txBody>
           <a:bodyPr>
-            <a:normAutofit lnSpcReduction="10000"/>
+            <a:normAutofit/>
           </a:bodyPr>
           <a:lstStyle/>
           <a:p>
@@ -28059,7 +28052,7 @@
             <a:r>
               <a:rPr lang="en-US" sz="1800" b="1" kern="100" dirty="0">
                 <a:effectLst/>
-                <a:latin typeface="Aptos" panose="020B0004020202020204" pitchFamily="34" charset="0"/>
+                <a:latin typeface="Times New Roman" panose="02020603050405020304" pitchFamily="18" charset="0"/>
                 <a:ea typeface="Aptos" panose="020B0004020202020204" pitchFamily="34" charset="0"/>
                 <a:cs typeface="Times New Roman" panose="02020603050405020304" pitchFamily="18" charset="0"/>
               </a:rPr>
@@ -28068,7 +28061,7 @@
             <a:r>
               <a:rPr lang="en-US" sz="1800" kern="100" dirty="0">
                 <a:effectLst/>
-                <a:latin typeface="Aptos" panose="020B0004020202020204" pitchFamily="34" charset="0"/>
+                <a:latin typeface="Times New Roman" panose="02020603050405020304" pitchFamily="18" charset="0"/>
                 <a:ea typeface="Aptos" panose="020B0004020202020204" pitchFamily="34" charset="0"/>
                 <a:cs typeface="Times New Roman" panose="02020603050405020304" pitchFamily="18" charset="0"/>
               </a:rPr>
@@ -28090,7 +28083,7 @@
             <a:r>
               <a:rPr lang="en-US" sz="1800" kern="100" dirty="0">
                 <a:effectLst/>
-                <a:latin typeface="Aptos" panose="020B0004020202020204" pitchFamily="34" charset="0"/>
+                <a:latin typeface="Times New Roman" panose="02020603050405020304" pitchFamily="18" charset="0"/>
                 <a:ea typeface="Aptos" panose="020B0004020202020204" pitchFamily="34" charset="0"/>
                 <a:cs typeface="Times New Roman" panose="02020603050405020304" pitchFamily="18" charset="0"/>
               </a:rPr>
@@ -28099,7 +28092,7 @@
             <a:r>
               <a:rPr lang="en-US" sz="1800" b="1" kern="100" dirty="0">
                 <a:effectLst/>
-                <a:latin typeface="Aptos" panose="020B0004020202020204" pitchFamily="34" charset="0"/>
+                <a:latin typeface="Times New Roman" panose="02020603050405020304" pitchFamily="18" charset="0"/>
                 <a:ea typeface="Aptos" panose="020B0004020202020204" pitchFamily="34" charset="0"/>
                 <a:cs typeface="Times New Roman" panose="02020603050405020304" pitchFamily="18" charset="0"/>
               </a:rPr>
@@ -28108,7 +28101,7 @@
             <a:r>
               <a:rPr lang="en-US" sz="1800" kern="100" dirty="0">
                 <a:effectLst/>
-                <a:latin typeface="Aptos" panose="020B0004020202020204" pitchFamily="34" charset="0"/>
+                <a:latin typeface="Times New Roman" panose="02020603050405020304" pitchFamily="18" charset="0"/>
                 <a:ea typeface="Aptos" panose="020B0004020202020204" pitchFamily="34" charset="0"/>
                 <a:cs typeface="Times New Roman" panose="02020603050405020304" pitchFamily="18" charset="0"/>
               </a:rPr>
@@ -28130,7 +28123,7 @@
             <a:r>
               <a:rPr lang="en-US" sz="1800" b="1" kern="100" dirty="0">
                 <a:effectLst/>
-                <a:latin typeface="Aptos" panose="020B0004020202020204" pitchFamily="34" charset="0"/>
+                <a:latin typeface="Times New Roman" panose="02020603050405020304" pitchFamily="18" charset="0"/>
                 <a:ea typeface="Aptos" panose="020B0004020202020204" pitchFamily="34" charset="0"/>
                 <a:cs typeface="Times New Roman" panose="02020603050405020304" pitchFamily="18" charset="0"/>
               </a:rPr>
@@ -28139,7 +28132,7 @@
             <a:r>
               <a:rPr lang="en-US" sz="1800" b="1" kern="100" dirty="0" err="1">
                 <a:effectLst/>
-                <a:latin typeface="Aptos" panose="020B0004020202020204" pitchFamily="34" charset="0"/>
+                <a:latin typeface="Times New Roman" panose="02020603050405020304" pitchFamily="18" charset="0"/>
                 <a:ea typeface="Aptos" panose="020B0004020202020204" pitchFamily="34" charset="0"/>
                 <a:cs typeface="Times New Roman" panose="02020603050405020304" pitchFamily="18" charset="0"/>
               </a:rPr>
@@ -28148,7 +28141,7 @@
             <a:r>
               <a:rPr lang="en-US" sz="1800" b="1" kern="100" dirty="0">
                 <a:effectLst/>
-                <a:latin typeface="Aptos" panose="020B0004020202020204" pitchFamily="34" charset="0"/>
+                <a:latin typeface="Times New Roman" panose="02020603050405020304" pitchFamily="18" charset="0"/>
                 <a:ea typeface="Aptos" panose="020B0004020202020204" pitchFamily="34" charset="0"/>
                 <a:cs typeface="Times New Roman" panose="02020603050405020304" pitchFamily="18" charset="0"/>
               </a:rPr>
@@ -28157,7 +28150,7 @@
             <a:r>
               <a:rPr lang="en-US" sz="1800" kern="100" dirty="0">
                 <a:effectLst/>
-                <a:latin typeface="Aptos" panose="020B0004020202020204" pitchFamily="34" charset="0"/>
+                <a:latin typeface="Times New Roman" panose="02020603050405020304" pitchFamily="18" charset="0"/>
                 <a:ea typeface="Aptos" panose="020B0004020202020204" pitchFamily="34" charset="0"/>
                 <a:cs typeface="Times New Roman" panose="02020603050405020304" pitchFamily="18" charset="0"/>
               </a:rPr>
@@ -28166,7 +28159,7 @@
             <a:r>
               <a:rPr lang="en-US" sz="1800" kern="100" dirty="0" err="1">
                 <a:effectLst/>
-                <a:latin typeface="Aptos" panose="020B0004020202020204" pitchFamily="34" charset="0"/>
+                <a:latin typeface="Times New Roman" panose="02020603050405020304" pitchFamily="18" charset="0"/>
                 <a:ea typeface="Aptos" panose="020B0004020202020204" pitchFamily="34" charset="0"/>
                 <a:cs typeface="Times New Roman" panose="02020603050405020304" pitchFamily="18" charset="0"/>
               </a:rPr>
@@ -28175,7 +28168,7 @@
             <a:r>
               <a:rPr lang="en-US" sz="1800" kern="100" dirty="0">
                 <a:effectLst/>
-                <a:latin typeface="Aptos" panose="020B0004020202020204" pitchFamily="34" charset="0"/>
+                <a:latin typeface="Times New Roman" panose="02020603050405020304" pitchFamily="18" charset="0"/>
                 <a:ea typeface="Aptos" panose="020B0004020202020204" pitchFamily="34" charset="0"/>
                 <a:cs typeface="Times New Roman" panose="02020603050405020304" pitchFamily="18" charset="0"/>
               </a:rPr>
@@ -28197,7 +28190,7 @@
             <a:r>
               <a:rPr lang="en-US" sz="1800" b="1" kern="100" dirty="0">
                 <a:effectLst/>
-                <a:latin typeface="Aptos" panose="020B0004020202020204" pitchFamily="34" charset="0"/>
+                <a:latin typeface="Times New Roman" panose="02020603050405020304" pitchFamily="18" charset="0"/>
                 <a:ea typeface="Aptos" panose="020B0004020202020204" pitchFamily="34" charset="0"/>
                 <a:cs typeface="Times New Roman" panose="02020603050405020304" pitchFamily="18" charset="0"/>
               </a:rPr>
@@ -28206,7 +28199,7 @@
             <a:r>
               <a:rPr lang="en-US" sz="1800" kern="100" dirty="0">
                 <a:effectLst/>
-                <a:latin typeface="Aptos" panose="020B0004020202020204" pitchFamily="34" charset="0"/>
+                <a:latin typeface="Times New Roman" panose="02020603050405020304" pitchFamily="18" charset="0"/>
                 <a:ea typeface="Aptos" panose="020B0004020202020204" pitchFamily="34" charset="0"/>
                 <a:cs typeface="Times New Roman" panose="02020603050405020304" pitchFamily="18" charset="0"/>
               </a:rPr>
@@ -28228,7 +28221,7 @@
             <a:r>
               <a:rPr lang="en-US" sz="1800" b="1" kern="100" dirty="0">
                 <a:effectLst/>
-                <a:latin typeface="Aptos" panose="020B0004020202020204" pitchFamily="34" charset="0"/>
+                <a:latin typeface="Times New Roman" panose="02020603050405020304" pitchFamily="18" charset="0"/>
                 <a:ea typeface="Aptos" panose="020B0004020202020204" pitchFamily="34" charset="0"/>
                 <a:cs typeface="Times New Roman" panose="02020603050405020304" pitchFamily="18" charset="0"/>
               </a:rPr>
@@ -28237,7 +28230,7 @@
             <a:r>
               <a:rPr lang="en-US" sz="1800" kern="100" dirty="0">
                 <a:effectLst/>
-                <a:latin typeface="Aptos" panose="020B0004020202020204" pitchFamily="34" charset="0"/>
+                <a:latin typeface="Times New Roman" panose="02020603050405020304" pitchFamily="18" charset="0"/>
                 <a:ea typeface="Aptos" panose="020B0004020202020204" pitchFamily="34" charset="0"/>
                 <a:cs typeface="Times New Roman" panose="02020603050405020304" pitchFamily="18" charset="0"/>
               </a:rPr>
@@ -28258,13 +28251,16 @@
             </a:pPr>
             <a:endParaRPr lang="en-US" sz="1800" kern="100" dirty="0">
               <a:effectLst/>
-              <a:latin typeface="Aptos" panose="020B0004020202020204" pitchFamily="34" charset="0"/>
+              <a:latin typeface="Times New Roman" panose="02020603050405020304" pitchFamily="18" charset="0"/>
               <a:ea typeface="Aptos" panose="020B0004020202020204" pitchFamily="34" charset="0"/>
               <a:cs typeface="Times New Roman" panose="02020603050405020304" pitchFamily="18" charset="0"/>
             </a:endParaRPr>
           </a:p>
           <a:p>
-            <a:endParaRPr lang="en-US" dirty="0"/>
+            <a:endParaRPr lang="en-US" dirty="0">
+              <a:latin typeface="Times New Roman" panose="02020603050405020304" pitchFamily="18" charset="0"/>
+              <a:cs typeface="Times New Roman" panose="02020603050405020304" pitchFamily="18" charset="0"/>
+            </a:endParaRPr>
           </a:p>
         </p:txBody>
       </p:sp>
